--- a/spring/spring 理解之IOC资源加载(二).pptx
+++ b/spring/spring 理解之IOC资源加载(二).pptx
@@ -28,6 +28,9 @@
     <p:sldId id="418" r:id="rId21"/>
     <p:sldId id="419" r:id="rId22"/>
     <p:sldId id="420" r:id="rId23"/>
+    <p:sldId id="421" r:id="rId24"/>
+    <p:sldId id="422" r:id="rId25"/>
+    <p:sldId id="423" r:id="rId26"/>
   </p:sldIdLst>
   <p:sldSz cx="12192000" cy="6858000"/>
   <p:notesSz cx="6858000" cy="9144000"/>
@@ -1229,6 +1232,256 @@
 </p:notes>
 </file>
 
+<file path=ppt/notesSlides/notesSlide10.xml><?xml version="1.0" encoding="utf-8"?>
+<p:notes xmlns:a="http://schemas.openxmlformats.org/drawingml/2006/main" xmlns:r="http://schemas.openxmlformats.org/officeDocument/2006/relationships" xmlns:p="http://schemas.openxmlformats.org/presentationml/2006/main">
+  <p:cSld>
+    <p:spTree>
+      <p:nvGrpSpPr>
+        <p:cNvPr id="1" name=""/>
+        <p:cNvGrpSpPr/>
+        <p:nvPr/>
+      </p:nvGrpSpPr>
+      <p:grpSpPr/>
+      <p:sp>
+        <p:nvSpPr>
+          <p:cNvPr id="2" name="幻灯片图像占位符 1"/>
+          <p:cNvSpPr/>
+          <p:nvPr>
+            <p:ph type="sldImg" idx="2"/>
+          </p:nvPr>
+        </p:nvSpPr>
+        <p:spPr/>
+      </p:sp>
+      <p:sp>
+        <p:nvSpPr>
+          <p:cNvPr id="3" name="文本占位符 2"/>
+          <p:cNvSpPr/>
+          <p:nvPr>
+            <p:ph type="body" idx="3"/>
+          </p:nvPr>
+        </p:nvSpPr>
+        <p:spPr/>
+        <p:txBody>
+          <a:bodyPr/>
+          <a:p>
+            <a:r>
+              <a:rPr lang="zh-CN" altLang="en-US"/>
+              <a:t>总结：</a:t>
+            </a:r>
+            <a:endParaRPr lang="zh-CN" altLang="en-US"/>
+          </a:p>
+          <a:p>
+            <a:r>
+              <a:rPr lang="en-US" altLang="zh-CN"/>
+              <a:t>1.  </a:t>
+            </a:r>
+            <a:r>
+              <a:rPr lang="zh-CN" altLang="en-US"/>
+              <a:t>声明资源信息</a:t>
+            </a:r>
+            <a:r>
+              <a:rPr lang="en-US" altLang="zh-CN"/>
+              <a:t>, </a:t>
+            </a:r>
+            <a:r>
+              <a:rPr lang="zh-CN" altLang="en-US"/>
+              <a:t>比如 </a:t>
+            </a:r>
+            <a:r>
+              <a:rPr lang="en-US" altLang="zh-CN"/>
+              <a:t>new ClassPathResource(“filePath”)</a:t>
+            </a:r>
+            <a:endParaRPr lang="en-US" altLang="zh-CN"/>
+          </a:p>
+          <a:p>
+            <a:r>
+              <a:rPr lang="en-US" altLang="zh-CN"/>
+              <a:t>2.  </a:t>
+            </a:r>
+            <a:r>
+              <a:rPr lang="zh-CN" altLang="en-US"/>
+              <a:t>声明</a:t>
+            </a:r>
+            <a:r>
+              <a:rPr lang="en-US" altLang="zh-CN"/>
+              <a:t>Reader</a:t>
+            </a:r>
+            <a:r>
+              <a:rPr lang="zh-CN" altLang="en-US"/>
+              <a:t>对象</a:t>
+            </a:r>
+            <a:r>
+              <a:rPr lang="en-US" altLang="zh-CN"/>
+              <a:t>, </a:t>
+            </a:r>
+            <a:r>
+              <a:rPr lang="zh-CN" altLang="en-US"/>
+              <a:t>比如</a:t>
+            </a:r>
+            <a:r>
+              <a:rPr lang="en-US" altLang="zh-CN"/>
+              <a:t>:new XmlBeanDefinitionReader()</a:t>
+            </a:r>
+            <a:endParaRPr lang="en-US" altLang="zh-CN"/>
+          </a:p>
+          <a:p>
+            <a:r>
+              <a:rPr lang="en-US" altLang="zh-CN"/>
+              <a:t>3.  </a:t>
+            </a:r>
+            <a:r>
+              <a:rPr lang="zh-CN" altLang="en-US"/>
+              <a:t>通过</a:t>
+            </a:r>
+            <a:r>
+              <a:rPr lang="en-US" altLang="zh-CN"/>
+              <a:t>reader</a:t>
+            </a:r>
+            <a:r>
+              <a:rPr lang="zh-CN" altLang="en-US"/>
+              <a:t>的</a:t>
+            </a:r>
+            <a:r>
+              <a:rPr lang="en-US" altLang="zh-CN"/>
+              <a:t>loadBeanDefinition(resource)</a:t>
+            </a:r>
+            <a:r>
+              <a:rPr lang="zh-CN" altLang="en-US"/>
+              <a:t>进行资源解析</a:t>
+            </a:r>
+            <a:endParaRPr lang="zh-CN" altLang="en-US"/>
+          </a:p>
+          <a:p>
+            <a:r>
+              <a:rPr lang="en-US" altLang="zh-CN"/>
+              <a:t>4.  </a:t>
+            </a:r>
+            <a:r>
+              <a:rPr lang="zh-CN" altLang="en-US"/>
+              <a:t>进行真正的解析前</a:t>
+            </a:r>
+            <a:r>
+              <a:rPr lang="en-US" altLang="zh-CN"/>
+              <a:t>, </a:t>
+            </a:r>
+            <a:r>
+              <a:rPr lang="zh-CN" altLang="en-US"/>
+              <a:t>获取</a:t>
+            </a:r>
+            <a:r>
+              <a:rPr lang="en-US" altLang="zh-CN"/>
+              <a:t>resolver</a:t>
+            </a:r>
+            <a:r>
+              <a:rPr lang="zh-CN" altLang="en-US"/>
+              <a:t>对象和</a:t>
+            </a:r>
+            <a:r>
+              <a:rPr lang="en-US" altLang="zh-CN"/>
+              <a:t>validateMode</a:t>
+            </a:r>
+            <a:r>
+              <a:rPr lang="zh-CN" altLang="en-US"/>
+              <a:t>类型</a:t>
+            </a:r>
+            <a:endParaRPr lang="zh-CN" altLang="en-US"/>
+          </a:p>
+          <a:p>
+            <a:r>
+              <a:rPr lang="en-US" altLang="zh-CN"/>
+              <a:t>     4.1 resolver</a:t>
+            </a:r>
+            <a:r>
+              <a:rPr lang="zh-CN" altLang="en-US"/>
+              <a:t>分为四类</a:t>
+            </a:r>
+            <a:endParaRPr lang="zh-CN" altLang="en-US"/>
+          </a:p>
+          <a:p>
+            <a:r>
+              <a:rPr lang="en-US" altLang="zh-CN"/>
+              <a:t>     DelegatingEntit</a:t>
+            </a:r>
+            <a:r>
+              <a:rPr lang="en-US" altLang="zh-CN">
+                <a:solidFill>
+                  <a:srgbClr val="FF0000"/>
+                </a:solidFill>
+              </a:rPr>
+              <a:t>yResolv</a:t>
+            </a:r>
+            <a:r>
+              <a:rPr lang="en-US" altLang="zh-CN"/>
+              <a:t>er, BeansDtdResolver , PluggableSchemaResolver,  ResourceEntityResolver</a:t>
+            </a:r>
+            <a:endParaRPr lang="en-US" altLang="zh-CN"/>
+          </a:p>
+          <a:p>
+            <a:r>
+              <a:rPr lang="en-US" altLang="zh-CN"/>
+              <a:t>     4.2 EntityResolver </a:t>
+            </a:r>
+            <a:r>
+              <a:rPr lang="zh-CN" altLang="en-US"/>
+              <a:t>作用</a:t>
+            </a:r>
+            <a:endParaRPr lang="zh-CN" altLang="en-US"/>
+          </a:p>
+          <a:p>
+            <a:r>
+              <a:rPr lang="zh-CN" altLang="en-US"/>
+              <a:t>      如果 SAX 应用程序需要实现自定义处理外部实体，则必须实现此接口并使用 setEntityResolver 方法向SAX 驱动器注册一个实例。也就是说，对于解析一个XML，SAX 首先读取该 XML 文档上的声明，根据声明去寻找相应的 DTD 定义，以便对文档进行一个验证</a:t>
+            </a:r>
+            <a:endParaRPr lang="zh-CN" altLang="en-US"/>
+          </a:p>
+          <a:p>
+            <a:r>
+              <a:rPr lang="en-US" altLang="zh-CN"/>
+              <a:t>     4.3 validateMode</a:t>
+            </a:r>
+            <a:r>
+              <a:rPr lang="zh-CN" altLang="en-US"/>
+              <a:t>类型</a:t>
+            </a:r>
+            <a:endParaRPr lang="zh-CN" altLang="en-US"/>
+          </a:p>
+          <a:p>
+            <a:r>
+              <a:rPr lang="en-US" altLang="zh-CN"/>
+              <a:t>     </a:t>
+            </a:r>
+            <a:r>
+              <a:rPr lang="zh-CN" altLang="en-US" b="1" dirty="0">
+                <a:sym typeface="+mn-ea"/>
+              </a:rPr>
+              <a:t>XmlValidationModeDetector.VALIDATION_DTD</a:t>
+            </a:r>
+            <a:r>
+              <a:rPr lang="en-US" altLang="zh-CN" b="1" dirty="0">
+                <a:sym typeface="+mn-ea"/>
+              </a:rPr>
+              <a:t>, </a:t>
+            </a:r>
+            <a:r>
+              <a:rPr lang="zh-CN" altLang="en-US" b="1" dirty="0">
+                <a:sym typeface="+mn-ea"/>
+              </a:rPr>
+              <a:t>XmlValidationModeDetector.VALIDATION_XSD</a:t>
+            </a:r>
+            <a:endParaRPr lang="en-US" altLang="zh-CN" b="1" dirty="0">
+              <a:sym typeface="+mn-ea"/>
+            </a:endParaRPr>
+          </a:p>
+        </p:txBody>
+      </p:sp>
+    </p:spTree>
+  </p:cSld>
+  <p:clrMapOvr>
+    <a:masterClrMapping/>
+  </p:clrMapOvr>
+</p:notes>
+</file>
+
 <file path=ppt/notesSlides/notesSlide2.xml><?xml version="1.0" encoding="utf-8"?>
 <p:notes xmlns:a="http://schemas.openxmlformats.org/drawingml/2006/main" xmlns:r="http://schemas.openxmlformats.org/officeDocument/2006/relationships" xmlns:p="http://schemas.openxmlformats.org/presentationml/2006/main">
   <p:cSld>
@@ -1549,6 +1802,288 @@
         <p:txBody>
           <a:bodyPr/>
           <a:p>
+            <a:endParaRPr lang="zh-CN" altLang="en-US"/>
+          </a:p>
+        </p:txBody>
+      </p:sp>
+    </p:spTree>
+  </p:cSld>
+  <p:clrMapOvr>
+    <a:masterClrMapping/>
+  </p:clrMapOvr>
+</p:notes>
+</file>
+
+<file path=ppt/notesSlides/notesSlide7.xml><?xml version="1.0" encoding="utf-8"?>
+<p:notes xmlns:a="http://schemas.openxmlformats.org/drawingml/2006/main" xmlns:r="http://schemas.openxmlformats.org/officeDocument/2006/relationships" xmlns:p="http://schemas.openxmlformats.org/presentationml/2006/main">
+  <p:cSld>
+    <p:spTree>
+      <p:nvGrpSpPr>
+        <p:cNvPr id="1" name=""/>
+        <p:cNvGrpSpPr/>
+        <p:nvPr/>
+      </p:nvGrpSpPr>
+      <p:grpSpPr/>
+      <p:sp>
+        <p:nvSpPr>
+          <p:cNvPr id="2" name="幻灯片图像占位符 1"/>
+          <p:cNvSpPr/>
+          <p:nvPr>
+            <p:ph type="sldImg" idx="2"/>
+          </p:nvPr>
+        </p:nvSpPr>
+        <p:spPr/>
+      </p:sp>
+      <p:sp>
+        <p:nvSpPr>
+          <p:cNvPr id="3" name="文本占位符 2"/>
+          <p:cNvSpPr/>
+          <p:nvPr>
+            <p:ph type="body" idx="3"/>
+          </p:nvPr>
+        </p:nvSpPr>
+        <p:spPr/>
+        <p:txBody>
+          <a:bodyPr/>
+          <a:p>
+            <a:r>
+              <a:rPr lang="en-US" altLang="zh-CN"/>
+              <a:t>1. </a:t>
+            </a:r>
+            <a:r>
+              <a:rPr lang="zh-CN" altLang="en-US"/>
+              <a:t>XSD 验证模式</a:t>
+            </a:r>
+            <a:endParaRPr lang="zh-CN" altLang="en-US"/>
+          </a:p>
+          <a:p>
+            <a:r>
+              <a:rPr lang="zh-CN" altLang="en-US"/>
+              <a:t>        publicId：null</a:t>
+            </a:r>
+            <a:endParaRPr lang="zh-CN" altLang="en-US"/>
+          </a:p>
+          <a:p>
+            <a:r>
+              <a:rPr lang="zh-CN" altLang="en-US"/>
+              <a:t>        systemId：http://www.springframework.org/schema/beans/spring-beans.xsd</a:t>
+            </a:r>
+            <a:endParaRPr lang="zh-CN" altLang="en-US"/>
+          </a:p>
+          <a:p>
+            <a:endParaRPr lang="zh-CN" altLang="en-US"/>
+          </a:p>
+          <a:p>
+            <a:r>
+              <a:rPr lang="en-US" altLang="zh-CN"/>
+              <a:t>2. </a:t>
+            </a:r>
+            <a:r>
+              <a:rPr lang="zh-CN" altLang="en-US"/>
+              <a:t>DTD 验证模式</a:t>
+            </a:r>
+            <a:endParaRPr lang="zh-CN" altLang="en-US"/>
+          </a:p>
+          <a:p>
+            <a:r>
+              <a:rPr lang="zh-CN" altLang="en-US"/>
+              <a:t>        publicId：-//SPRING//DTD BEAN 2.0//EN</a:t>
+            </a:r>
+            <a:endParaRPr lang="zh-CN" altLang="en-US"/>
+          </a:p>
+          <a:p>
+            <a:r>
+              <a:rPr lang="zh-CN" altLang="en-US"/>
+              <a:t>        systemId：http://www.springframework.org/dtd/spring-beans.dtd</a:t>
+            </a:r>
+            <a:endParaRPr lang="zh-CN" altLang="en-US"/>
+          </a:p>
+        </p:txBody>
+      </p:sp>
+    </p:spTree>
+  </p:cSld>
+  <p:clrMapOvr>
+    <a:masterClrMapping/>
+  </p:clrMapOvr>
+</p:notes>
+</file>
+
+<file path=ppt/notesSlides/notesSlide8.xml><?xml version="1.0" encoding="utf-8"?>
+<p:notes xmlns:a="http://schemas.openxmlformats.org/drawingml/2006/main" xmlns:r="http://schemas.openxmlformats.org/officeDocument/2006/relationships" xmlns:p="http://schemas.openxmlformats.org/presentationml/2006/main">
+  <p:cSld>
+    <p:spTree>
+      <p:nvGrpSpPr>
+        <p:cNvPr id="1" name=""/>
+        <p:cNvGrpSpPr/>
+        <p:nvPr/>
+      </p:nvGrpSpPr>
+      <p:grpSpPr/>
+      <p:sp>
+        <p:nvSpPr>
+          <p:cNvPr id="2" name="幻灯片图像占位符 1"/>
+          <p:cNvSpPr/>
+          <p:nvPr>
+            <p:ph type="sldImg" idx="2"/>
+          </p:nvPr>
+        </p:nvSpPr>
+        <p:spPr/>
+      </p:sp>
+      <p:sp>
+        <p:nvSpPr>
+          <p:cNvPr id="3" name="文本占位符 2"/>
+          <p:cNvSpPr/>
+          <p:nvPr>
+            <p:ph type="body" idx="3"/>
+          </p:nvPr>
+        </p:nvSpPr>
+        <p:spPr/>
+        <p:txBody>
+          <a:bodyPr/>
+          <a:p>
+            <a:r>
+              <a:rPr lang="en-US" altLang="zh-CN"/>
+              <a:t>1. </a:t>
+            </a:r>
+            <a:r>
+              <a:rPr lang="zh-CN" altLang="en-US"/>
+              <a:t>XSD 验证模式</a:t>
+            </a:r>
+            <a:endParaRPr lang="zh-CN" altLang="en-US"/>
+          </a:p>
+          <a:p>
+            <a:r>
+              <a:rPr lang="zh-CN" altLang="en-US"/>
+              <a:t>        publicId：null</a:t>
+            </a:r>
+            <a:endParaRPr lang="zh-CN" altLang="en-US"/>
+          </a:p>
+          <a:p>
+            <a:r>
+              <a:rPr lang="zh-CN" altLang="en-US"/>
+              <a:t>        systemId：http://www.springframework.org/schema/beans/spring-beans.xsd</a:t>
+            </a:r>
+            <a:endParaRPr lang="zh-CN" altLang="en-US"/>
+          </a:p>
+          <a:p>
+            <a:endParaRPr lang="zh-CN" altLang="en-US"/>
+          </a:p>
+          <a:p>
+            <a:r>
+              <a:rPr lang="en-US" altLang="zh-CN"/>
+              <a:t>2. </a:t>
+            </a:r>
+            <a:r>
+              <a:rPr lang="zh-CN" altLang="en-US"/>
+              <a:t>DTD 验证模式</a:t>
+            </a:r>
+            <a:endParaRPr lang="zh-CN" altLang="en-US"/>
+          </a:p>
+          <a:p>
+            <a:r>
+              <a:rPr lang="zh-CN" altLang="en-US"/>
+              <a:t>        publicId：-//SPRING//DTD BEAN 2.0//EN</a:t>
+            </a:r>
+            <a:endParaRPr lang="zh-CN" altLang="en-US"/>
+          </a:p>
+          <a:p>
+            <a:r>
+              <a:rPr lang="zh-CN" altLang="en-US"/>
+              <a:t>        systemId：http://www.springframework.org/dtd/spring-beans.dtd</a:t>
+            </a:r>
+            <a:endParaRPr lang="zh-CN" altLang="en-US"/>
+          </a:p>
+        </p:txBody>
+      </p:sp>
+    </p:spTree>
+  </p:cSld>
+  <p:clrMapOvr>
+    <a:masterClrMapping/>
+  </p:clrMapOvr>
+</p:notes>
+</file>
+
+<file path=ppt/notesSlides/notesSlide9.xml><?xml version="1.0" encoding="utf-8"?>
+<p:notes xmlns:a="http://schemas.openxmlformats.org/drawingml/2006/main" xmlns:r="http://schemas.openxmlformats.org/officeDocument/2006/relationships" xmlns:p="http://schemas.openxmlformats.org/presentationml/2006/main">
+  <p:cSld>
+    <p:spTree>
+      <p:nvGrpSpPr>
+        <p:cNvPr id="1" name=""/>
+        <p:cNvGrpSpPr/>
+        <p:nvPr/>
+      </p:nvGrpSpPr>
+      <p:grpSpPr/>
+      <p:sp>
+        <p:nvSpPr>
+          <p:cNvPr id="2" name="幻灯片图像占位符 1"/>
+          <p:cNvSpPr/>
+          <p:nvPr>
+            <p:ph type="sldImg" idx="2"/>
+          </p:nvPr>
+        </p:nvSpPr>
+        <p:spPr/>
+      </p:sp>
+      <p:sp>
+        <p:nvSpPr>
+          <p:cNvPr id="3" name="文本占位符 2"/>
+          <p:cNvSpPr/>
+          <p:nvPr>
+            <p:ph type="body" idx="3"/>
+          </p:nvPr>
+        </p:nvSpPr>
+        <p:spPr/>
+        <p:txBody>
+          <a:bodyPr/>
+          <a:p>
+            <a:r>
+              <a:rPr lang="en-US" altLang="zh-CN"/>
+              <a:t>1. </a:t>
+            </a:r>
+            <a:r>
+              <a:rPr lang="zh-CN" altLang="en-US"/>
+              <a:t>XSD 验证模式</a:t>
+            </a:r>
+            <a:endParaRPr lang="zh-CN" altLang="en-US"/>
+          </a:p>
+          <a:p>
+            <a:r>
+              <a:rPr lang="zh-CN" altLang="en-US"/>
+              <a:t>        publicId：null</a:t>
+            </a:r>
+            <a:endParaRPr lang="zh-CN" altLang="en-US"/>
+          </a:p>
+          <a:p>
+            <a:r>
+              <a:rPr lang="zh-CN" altLang="en-US"/>
+              <a:t>        systemId：http://www.springframework.org/schema/beans/spring-beans.xsd</a:t>
+            </a:r>
+            <a:endParaRPr lang="zh-CN" altLang="en-US"/>
+          </a:p>
+          <a:p>
+            <a:endParaRPr lang="zh-CN" altLang="en-US"/>
+          </a:p>
+          <a:p>
+            <a:r>
+              <a:rPr lang="en-US" altLang="zh-CN"/>
+              <a:t>2. </a:t>
+            </a:r>
+            <a:r>
+              <a:rPr lang="zh-CN" altLang="en-US"/>
+              <a:t>DTD 验证模式</a:t>
+            </a:r>
+            <a:endParaRPr lang="zh-CN" altLang="en-US"/>
+          </a:p>
+          <a:p>
+            <a:r>
+              <a:rPr lang="zh-CN" altLang="en-US"/>
+              <a:t>        publicId：-//SPRING//DTD BEAN 2.0//EN</a:t>
+            </a:r>
+            <a:endParaRPr lang="zh-CN" altLang="en-US"/>
+          </a:p>
+          <a:p>
+            <a:r>
+              <a:rPr lang="zh-CN" altLang="en-US"/>
+              <a:t>        systemId：http://www.springframework.org/dtd/spring-beans.dtd</a:t>
+            </a:r>
             <a:endParaRPr lang="zh-CN" altLang="en-US"/>
           </a:p>
         </p:txBody>
@@ -15483,6 +16018,1291 @@
 </p:sld>
 </file>
 
+<file path=ppt/slides/slide21.xml><?xml version="1.0" encoding="utf-8"?>
+<p:sld xmlns:a="http://schemas.openxmlformats.org/drawingml/2006/main" xmlns:r="http://schemas.openxmlformats.org/officeDocument/2006/relationships" xmlns:p="http://schemas.openxmlformats.org/presentationml/2006/main">
+  <p:cSld>
+    <p:spTree>
+      <p:nvGrpSpPr>
+        <p:cNvPr id="1" name=""/>
+        <p:cNvGrpSpPr/>
+        <p:nvPr/>
+      </p:nvGrpSpPr>
+      <p:grpSpPr>
+        <a:xfrm>
+          <a:off x="0" y="0"/>
+          <a:ext cx="0" cy="0"/>
+          <a:chOff x="0" y="0"/>
+          <a:chExt cx="0" cy="0"/>
+        </a:xfrm>
+      </p:grpSpPr>
+      <p:sp>
+        <p:nvSpPr>
+          <p:cNvPr id="4" name="标题 1"/>
+          <p:cNvSpPr>
+            <a:spLocks noGrp="1"/>
+          </p:cNvSpPr>
+          <p:nvPr/>
+        </p:nvSpPr>
+        <p:spPr>
+          <a:xfrm>
+            <a:off x="1582080" y="619731"/>
+            <a:ext cx="8782438" cy="742235"/>
+          </a:xfrm>
+          <a:prstGeom prst="rect">
+            <a:avLst/>
+          </a:prstGeom>
+        </p:spPr>
+        <p:txBody>
+          <a:bodyPr vert="horz" lIns="91440" tIns="45720" rIns="91440" bIns="45720" rtlCol="0" anchor="t">
+            <a:normAutofit fontScale="90000"/>
+          </a:bodyPr>
+          <a:lstStyle>
+            <a:lvl1pPr algn="l" defTabSz="457200" rtl="0" eaLnBrk="1" latinLnBrk="0" hangingPunct="1">
+              <a:spcBef>
+                <a:spcPct val="0"/>
+              </a:spcBef>
+              <a:buNone/>
+              <a:defRPr sz="3600" kern="1200">
+                <a:solidFill>
+                  <a:schemeClr val="tx1">
+                    <a:lumMod val="85000"/>
+                    <a:lumOff val="15000"/>
+                  </a:schemeClr>
+                </a:solidFill>
+                <a:latin typeface="+mj-lt"/>
+                <a:ea typeface="+mj-ea"/>
+                <a:cs typeface="+mj-cs"/>
+              </a:defRPr>
+            </a:lvl1pPr>
+            <a:lvl2pPr eaLnBrk="1" hangingPunct="1">
+              <a:defRPr>
+                <a:solidFill>
+                  <a:schemeClr val="tx2"/>
+                </a:solidFill>
+              </a:defRPr>
+            </a:lvl2pPr>
+            <a:lvl3pPr eaLnBrk="1" hangingPunct="1">
+              <a:defRPr>
+                <a:solidFill>
+                  <a:schemeClr val="tx2"/>
+                </a:solidFill>
+              </a:defRPr>
+            </a:lvl3pPr>
+            <a:lvl4pPr eaLnBrk="1" hangingPunct="1">
+              <a:defRPr>
+                <a:solidFill>
+                  <a:schemeClr val="tx2"/>
+                </a:solidFill>
+              </a:defRPr>
+            </a:lvl4pPr>
+            <a:lvl5pPr eaLnBrk="1" hangingPunct="1">
+              <a:defRPr>
+                <a:solidFill>
+                  <a:schemeClr val="tx2"/>
+                </a:solidFill>
+              </a:defRPr>
+            </a:lvl5pPr>
+            <a:lvl6pPr eaLnBrk="1" hangingPunct="1">
+              <a:defRPr>
+                <a:solidFill>
+                  <a:schemeClr val="tx2"/>
+                </a:solidFill>
+              </a:defRPr>
+            </a:lvl6pPr>
+            <a:lvl7pPr eaLnBrk="1" hangingPunct="1">
+              <a:defRPr>
+                <a:solidFill>
+                  <a:schemeClr val="tx2"/>
+                </a:solidFill>
+              </a:defRPr>
+            </a:lvl7pPr>
+            <a:lvl8pPr eaLnBrk="1" hangingPunct="1">
+              <a:defRPr>
+                <a:solidFill>
+                  <a:schemeClr val="tx2"/>
+                </a:solidFill>
+              </a:defRPr>
+            </a:lvl8pPr>
+            <a:lvl9pPr eaLnBrk="1" hangingPunct="1">
+              <a:defRPr>
+                <a:solidFill>
+                  <a:schemeClr val="tx2"/>
+                </a:solidFill>
+              </a:defRPr>
+            </a:lvl9pPr>
+          </a:lstStyle>
+          <a:p>
+            <a:pPr algn="l"/>
+            <a:r>
+              <a:rPr lang="en-US" altLang="zh-CN" dirty="0">
+                <a:sym typeface="+mn-ea"/>
+              </a:rPr>
+              <a:t>Spring</a:t>
+            </a:r>
+            <a:r>
+              <a:rPr lang="zh-CN" altLang="en-US" dirty="0">
+                <a:sym typeface="+mn-ea"/>
+              </a:rPr>
+              <a:t>加载资源文件</a:t>
+            </a:r>
+            <a:r>
+              <a:rPr lang="en-US" altLang="zh-CN" dirty="0">
+                <a:sym typeface="+mn-ea"/>
+              </a:rPr>
+              <a:t>doLoadDocument</a:t>
+            </a:r>
+            <a:endParaRPr lang="en-US" altLang="zh-CN" dirty="0">
+              <a:sym typeface="+mn-ea"/>
+            </a:endParaRPr>
+          </a:p>
+        </p:txBody>
+      </p:sp>
+      <p:sp>
+        <p:nvSpPr>
+          <p:cNvPr id="2" name="标题 1"/>
+          <p:cNvSpPr>
+            <a:spLocks noGrp="1"/>
+          </p:cNvSpPr>
+          <p:nvPr/>
+        </p:nvSpPr>
+        <p:spPr>
+          <a:xfrm>
+            <a:off x="420370" y="1901825"/>
+            <a:ext cx="3880485" cy="4074795"/>
+          </a:xfrm>
+          <a:prstGeom prst="rect">
+            <a:avLst/>
+          </a:prstGeom>
+        </p:spPr>
+        <p:txBody>
+          <a:bodyPr vert="horz" lIns="91440" tIns="45720" rIns="91440" bIns="45720" rtlCol="0" anchor="t">
+            <a:normAutofit fontScale="90000"/>
+          </a:bodyPr>
+          <a:lstStyle>
+            <a:lvl1pPr algn="l" defTabSz="457200" rtl="0" eaLnBrk="1" latinLnBrk="0" hangingPunct="1">
+              <a:spcBef>
+                <a:spcPct val="0"/>
+              </a:spcBef>
+              <a:buNone/>
+              <a:defRPr sz="3600" kern="1200">
+                <a:solidFill>
+                  <a:schemeClr val="tx1">
+                    <a:lumMod val="85000"/>
+                    <a:lumOff val="15000"/>
+                  </a:schemeClr>
+                </a:solidFill>
+                <a:latin typeface="+mj-lt"/>
+                <a:ea typeface="+mj-ea"/>
+                <a:cs typeface="+mj-cs"/>
+              </a:defRPr>
+            </a:lvl1pPr>
+            <a:lvl2pPr eaLnBrk="1" hangingPunct="1">
+              <a:defRPr>
+                <a:solidFill>
+                  <a:schemeClr val="tx2"/>
+                </a:solidFill>
+              </a:defRPr>
+            </a:lvl2pPr>
+            <a:lvl3pPr eaLnBrk="1" hangingPunct="1">
+              <a:defRPr>
+                <a:solidFill>
+                  <a:schemeClr val="tx2"/>
+                </a:solidFill>
+              </a:defRPr>
+            </a:lvl3pPr>
+            <a:lvl4pPr eaLnBrk="1" hangingPunct="1">
+              <a:defRPr>
+                <a:solidFill>
+                  <a:schemeClr val="tx2"/>
+                </a:solidFill>
+              </a:defRPr>
+            </a:lvl4pPr>
+            <a:lvl5pPr eaLnBrk="1" hangingPunct="1">
+              <a:defRPr>
+                <a:solidFill>
+                  <a:schemeClr val="tx2"/>
+                </a:solidFill>
+              </a:defRPr>
+            </a:lvl5pPr>
+            <a:lvl6pPr eaLnBrk="1" hangingPunct="1">
+              <a:defRPr>
+                <a:solidFill>
+                  <a:schemeClr val="tx2"/>
+                </a:solidFill>
+              </a:defRPr>
+            </a:lvl6pPr>
+            <a:lvl7pPr eaLnBrk="1" hangingPunct="1">
+              <a:defRPr>
+                <a:solidFill>
+                  <a:schemeClr val="tx2"/>
+                </a:solidFill>
+              </a:defRPr>
+            </a:lvl7pPr>
+            <a:lvl8pPr eaLnBrk="1" hangingPunct="1">
+              <a:defRPr>
+                <a:solidFill>
+                  <a:schemeClr val="tx2"/>
+                </a:solidFill>
+              </a:defRPr>
+            </a:lvl8pPr>
+            <a:lvl9pPr eaLnBrk="1" hangingPunct="1">
+              <a:defRPr>
+                <a:solidFill>
+                  <a:schemeClr val="tx2"/>
+                </a:solidFill>
+              </a:defRPr>
+            </a:lvl9pPr>
+          </a:lstStyle>
+          <a:p>
+            <a:pPr algn="l"/>
+            <a:r>
+              <a:rPr lang="en-US" altLang="zh-CN" sz="1800" b="1" dirty="0">
+                <a:sym typeface="+mn-ea"/>
+              </a:rPr>
+              <a:t>1. </a:t>
+            </a:r>
+            <a:r>
+              <a:rPr lang="zh-CN" altLang="en-US" sz="1800" b="1" dirty="0">
+                <a:sym typeface="+mn-ea"/>
+              </a:rPr>
+              <a:t>指定</a:t>
+            </a:r>
+            <a:r>
+              <a:rPr lang="en-US" altLang="zh-CN" sz="1800" b="1" dirty="0">
+                <a:sym typeface="+mn-ea"/>
+              </a:rPr>
+              <a:t>Resource</a:t>
+            </a:r>
+            <a:r>
+              <a:rPr lang="zh-CN" altLang="en-US" sz="1800" b="1" dirty="0">
+                <a:sym typeface="+mn-ea"/>
+              </a:rPr>
+              <a:t>文件的路径信息</a:t>
+            </a:r>
+            <a:endParaRPr lang="en-US" altLang="zh-CN" sz="1800" b="1" dirty="0">
+              <a:sym typeface="+mn-ea"/>
+            </a:endParaRPr>
+          </a:p>
+          <a:p>
+            <a:pPr algn="l"/>
+            <a:r>
+              <a:rPr lang="en-US" altLang="zh-CN" sz="1800" b="1" dirty="0">
+                <a:sym typeface="+mn-ea"/>
+              </a:rPr>
+              <a:t>2. </a:t>
+            </a:r>
+            <a:r>
+              <a:rPr lang="zh-CN" altLang="en-US" sz="1800" b="1" dirty="0">
+                <a:sym typeface="+mn-ea"/>
+              </a:rPr>
+              <a:t>通过</a:t>
+            </a:r>
+            <a:r>
+              <a:rPr lang="en-US" altLang="zh-CN" sz="1800" b="1" dirty="0">
+                <a:sym typeface="+mn-ea"/>
+              </a:rPr>
+              <a:t>XmlBeanDefinitionReader</a:t>
+            </a:r>
+            <a:r>
+              <a:rPr lang="zh-CN" altLang="en-US" sz="1800" b="1" dirty="0">
+                <a:sym typeface="+mn-ea"/>
+              </a:rPr>
+              <a:t>的</a:t>
+            </a:r>
+            <a:r>
+              <a:rPr lang="en-US" altLang="zh-CN" sz="1800" b="1" dirty="0">
+                <a:sym typeface="+mn-ea"/>
+              </a:rPr>
+              <a:t>doLoadDocument</a:t>
+            </a:r>
+            <a:r>
+              <a:rPr lang="zh-CN" altLang="en-US" sz="1800" b="1" dirty="0">
+                <a:sym typeface="+mn-ea"/>
+              </a:rPr>
+              <a:t>方法解析</a:t>
+            </a:r>
+            <a:r>
+              <a:rPr lang="en-US" altLang="zh-CN" sz="1800" b="1" dirty="0">
+                <a:sym typeface="+mn-ea"/>
+              </a:rPr>
+              <a:t>Resource</a:t>
+            </a:r>
+            <a:r>
+              <a:rPr lang="zh-CN" altLang="en-US" sz="1800" b="1" dirty="0">
+                <a:sym typeface="+mn-ea"/>
+              </a:rPr>
+              <a:t>文件</a:t>
+            </a:r>
+            <a:endParaRPr lang="zh-CN" altLang="en-US" sz="1800" b="1" dirty="0">
+              <a:sym typeface="+mn-ea"/>
+            </a:endParaRPr>
+          </a:p>
+          <a:p>
+            <a:pPr algn="l"/>
+            <a:r>
+              <a:rPr lang="en-US" altLang="zh-CN" sz="1800" b="1" dirty="0">
+                <a:sym typeface="+mn-ea"/>
+              </a:rPr>
+              <a:t>3. </a:t>
+            </a:r>
+            <a:r>
+              <a:rPr lang="zh-CN" altLang="en-US" sz="1800" b="1" dirty="0">
+                <a:sym typeface="+mn-ea"/>
+              </a:rPr>
+              <a:t>通过getEntityResolver方法获得资源解析起</a:t>
+            </a:r>
+            <a:r>
+              <a:rPr lang="en-US" altLang="zh-CN" sz="1800" b="1" dirty="0">
+                <a:sym typeface="+mn-ea"/>
+              </a:rPr>
+              <a:t>resolver</a:t>
+            </a:r>
+            <a:endParaRPr lang="en-US" altLang="zh-CN" sz="1800" b="1" dirty="0">
+              <a:sym typeface="+mn-ea"/>
+            </a:endParaRPr>
+          </a:p>
+          <a:p>
+            <a:pPr algn="l"/>
+            <a:r>
+              <a:rPr lang="en-US" altLang="zh-CN" sz="1800" b="1" dirty="0">
+                <a:sym typeface="+mn-ea"/>
+              </a:rPr>
+              <a:t>4, </a:t>
+            </a:r>
+            <a:r>
+              <a:rPr lang="zh-CN" altLang="en-US" sz="1800" b="1" dirty="0">
+                <a:sym typeface="+mn-ea"/>
+              </a:rPr>
+              <a:t>通过getValidationModeForResource方法获得资源文件属于</a:t>
+            </a:r>
+            <a:r>
+              <a:rPr lang="en-US" altLang="zh-CN" sz="1800" b="1" dirty="0">
+                <a:sym typeface="+mn-ea"/>
+              </a:rPr>
+              <a:t>DTD/XSD</a:t>
+            </a:r>
+            <a:r>
+              <a:rPr lang="zh-CN" altLang="en-US" sz="1800" b="1" dirty="0">
+                <a:sym typeface="+mn-ea"/>
+              </a:rPr>
+              <a:t>哪种方式</a:t>
+            </a:r>
+            <a:endParaRPr lang="zh-CN" altLang="en-US" sz="1800" b="1" dirty="0">
+              <a:sym typeface="+mn-ea"/>
+            </a:endParaRPr>
+          </a:p>
+          <a:p>
+            <a:pPr algn="l"/>
+            <a:r>
+              <a:rPr lang="en-US" altLang="zh-CN" sz="1800" b="1" dirty="0">
+                <a:sym typeface="+mn-ea"/>
+              </a:rPr>
+              <a:t>5. </a:t>
+            </a:r>
+            <a:r>
+              <a:rPr lang="zh-CN" altLang="en-US" sz="1800" b="1" dirty="0">
+                <a:sym typeface="+mn-ea"/>
+              </a:rPr>
+              <a:t>通过</a:t>
+            </a:r>
+            <a:r>
+              <a:rPr lang="en-US" altLang="zh-CN" sz="1800" b="1" dirty="0">
+                <a:sym typeface="+mn-ea"/>
+              </a:rPr>
+              <a:t>DocumentLoader</a:t>
+            </a:r>
+            <a:r>
+              <a:rPr lang="zh-CN" altLang="en-US" sz="1800" b="1" dirty="0">
+                <a:sym typeface="+mn-ea"/>
+              </a:rPr>
+              <a:t>的loadDocument方法进行文件的加载</a:t>
+            </a:r>
+            <a:endParaRPr lang="zh-CN" altLang="en-US" sz="1800" b="1" dirty="0">
+              <a:sym typeface="+mn-ea"/>
+            </a:endParaRPr>
+          </a:p>
+          <a:p>
+            <a:pPr algn="l"/>
+            <a:r>
+              <a:rPr lang="en-US" altLang="zh-CN" sz="1800" b="1" dirty="0">
+                <a:sym typeface="+mn-ea"/>
+              </a:rPr>
+              <a:t>6. </a:t>
+            </a:r>
+            <a:r>
+              <a:rPr lang="zh-CN" altLang="en-US" sz="1800" b="1" dirty="0">
+                <a:sym typeface="+mn-ea"/>
+              </a:rPr>
+              <a:t>创建</a:t>
+            </a:r>
+            <a:r>
+              <a:rPr lang="en-US" altLang="zh-CN" sz="1800" b="1" dirty="0">
+                <a:sym typeface="+mn-ea"/>
+              </a:rPr>
+              <a:t>DocumentBuilderFactory</a:t>
+            </a:r>
+            <a:r>
+              <a:rPr lang="zh-CN" altLang="en-US" sz="1800" b="1" dirty="0">
+                <a:sym typeface="+mn-ea"/>
+              </a:rPr>
+              <a:t>对象然后创建</a:t>
+            </a:r>
+            <a:r>
+              <a:rPr lang="en-US" altLang="zh-CN" sz="1800" b="1" dirty="0">
+                <a:solidFill>
+                  <a:srgbClr val="FF0000"/>
+                </a:solidFill>
+                <a:sym typeface="+mn-ea"/>
+              </a:rPr>
+              <a:t>DocumentBuilder</a:t>
+            </a:r>
+            <a:r>
+              <a:rPr lang="zh-CN" altLang="en-US" sz="1800" b="1" dirty="0">
+                <a:solidFill>
+                  <a:srgbClr val="FF0000"/>
+                </a:solidFill>
+                <a:sym typeface="+mn-ea"/>
+              </a:rPr>
+              <a:t>对象</a:t>
+            </a:r>
+            <a:r>
+              <a:rPr lang="en-US" altLang="zh-CN" sz="1800" b="1" dirty="0">
+                <a:solidFill>
+                  <a:srgbClr val="FF0000"/>
+                </a:solidFill>
+                <a:sym typeface="+mn-ea"/>
+              </a:rPr>
+              <a:t>&lt;</a:t>
+            </a:r>
+            <a:r>
+              <a:rPr lang="zh-CN" altLang="en-US" sz="1800" b="1" dirty="0">
+                <a:solidFill>
+                  <a:srgbClr val="FF0000"/>
+                </a:solidFill>
+                <a:sym typeface="+mn-ea"/>
+              </a:rPr>
+              <a:t>实际进行</a:t>
+            </a:r>
+            <a:r>
+              <a:rPr lang="en-US" altLang="zh-CN" sz="1800" b="1" dirty="0">
+                <a:solidFill>
+                  <a:srgbClr val="FF0000"/>
+                </a:solidFill>
+                <a:sym typeface="+mn-ea"/>
+              </a:rPr>
+              <a:t>parse</a:t>
+            </a:r>
+            <a:r>
+              <a:rPr lang="zh-CN" altLang="en-US" sz="1800" b="1" dirty="0">
+                <a:solidFill>
+                  <a:srgbClr val="FF0000"/>
+                </a:solidFill>
+                <a:sym typeface="+mn-ea"/>
+              </a:rPr>
+              <a:t>的类</a:t>
+            </a:r>
+            <a:r>
+              <a:rPr lang="en-US" altLang="zh-CN" sz="1800" b="1" dirty="0">
+                <a:solidFill>
+                  <a:srgbClr val="FF0000"/>
+                </a:solidFill>
+                <a:sym typeface="+mn-ea"/>
+              </a:rPr>
+              <a:t>&gt;</a:t>
+            </a:r>
+            <a:endParaRPr lang="en-US" altLang="zh-CN" sz="1800" b="1" dirty="0">
+              <a:solidFill>
+                <a:srgbClr val="FF0000"/>
+              </a:solidFill>
+              <a:sym typeface="+mn-ea"/>
+            </a:endParaRPr>
+          </a:p>
+          <a:p>
+            <a:pPr algn="l"/>
+            <a:r>
+              <a:rPr lang="en-US" altLang="zh-CN" sz="1800" b="1" dirty="0">
+                <a:solidFill>
+                  <a:schemeClr val="tx1"/>
+                </a:solidFill>
+                <a:sym typeface="+mn-ea"/>
+              </a:rPr>
+              <a:t>7. </a:t>
+            </a:r>
+            <a:r>
+              <a:rPr lang="zh-CN" altLang="en-US" sz="1800" b="1" dirty="0">
+                <a:solidFill>
+                  <a:schemeClr val="tx1"/>
+                </a:solidFill>
+                <a:sym typeface="+mn-ea"/>
+              </a:rPr>
+              <a:t>执行</a:t>
+            </a:r>
+            <a:r>
+              <a:rPr lang="en-US" altLang="zh-CN" sz="1800" b="1" dirty="0">
+                <a:solidFill>
+                  <a:schemeClr val="tx1"/>
+                </a:solidFill>
+                <a:sym typeface="+mn-ea"/>
+              </a:rPr>
+              <a:t>DocumentBuilder</a:t>
+            </a:r>
+            <a:r>
+              <a:rPr lang="zh-CN" altLang="en-US" sz="1800" b="1" dirty="0">
+                <a:solidFill>
+                  <a:schemeClr val="tx1"/>
+                </a:solidFill>
+                <a:sym typeface="+mn-ea"/>
+              </a:rPr>
+              <a:t>的</a:t>
+            </a:r>
+            <a:r>
+              <a:rPr lang="en-US" altLang="zh-CN" sz="1800" b="1" dirty="0">
+                <a:solidFill>
+                  <a:schemeClr val="tx1"/>
+                </a:solidFill>
+                <a:sym typeface="+mn-ea"/>
+              </a:rPr>
+              <a:t>parse</a:t>
+            </a:r>
+            <a:r>
+              <a:rPr lang="zh-CN" altLang="en-US" sz="1800" b="1" dirty="0">
+                <a:solidFill>
+                  <a:schemeClr val="tx1"/>
+                </a:solidFill>
+                <a:sym typeface="+mn-ea"/>
+              </a:rPr>
+              <a:t>方法进行解析</a:t>
+            </a:r>
+            <a:endParaRPr lang="zh-CN" altLang="en-US" sz="1800" b="1" dirty="0">
+              <a:solidFill>
+                <a:schemeClr val="tx1"/>
+              </a:solidFill>
+              <a:sym typeface="+mn-ea"/>
+            </a:endParaRPr>
+          </a:p>
+        </p:txBody>
+      </p:sp>
+      <p:pic>
+        <p:nvPicPr>
+          <p:cNvPr id="3" name="图片 2"/>
+          <p:cNvPicPr>
+            <a:picLocks noChangeAspect="1"/>
+          </p:cNvPicPr>
+          <p:nvPr/>
+        </p:nvPicPr>
+        <p:blipFill>
+          <a:blip r:embed="rId1"/>
+          <a:stretch>
+            <a:fillRect/>
+          </a:stretch>
+        </p:blipFill>
+        <p:spPr>
+          <a:xfrm>
+            <a:off x="4300855" y="1209040"/>
+            <a:ext cx="7541260" cy="5460365"/>
+          </a:xfrm>
+          <a:prstGeom prst="rect">
+            <a:avLst/>
+          </a:prstGeom>
+        </p:spPr>
+      </p:pic>
+    </p:spTree>
+  </p:cSld>
+  <p:clrMapOvr>
+    <a:masterClrMapping/>
+  </p:clrMapOvr>
+</p:sld>
+</file>
+
+<file path=ppt/slides/slide22.xml><?xml version="1.0" encoding="utf-8"?>
+<p:sld xmlns:a="http://schemas.openxmlformats.org/drawingml/2006/main" xmlns:r="http://schemas.openxmlformats.org/officeDocument/2006/relationships" xmlns:p="http://schemas.openxmlformats.org/presentationml/2006/main">
+  <p:cSld>
+    <p:spTree>
+      <p:nvGrpSpPr>
+        <p:cNvPr id="1" name=""/>
+        <p:cNvGrpSpPr/>
+        <p:nvPr/>
+      </p:nvGrpSpPr>
+      <p:grpSpPr>
+        <a:xfrm>
+          <a:off x="0" y="0"/>
+          <a:ext cx="0" cy="0"/>
+          <a:chOff x="0" y="0"/>
+          <a:chExt cx="0" cy="0"/>
+        </a:xfrm>
+      </p:grpSpPr>
+      <p:sp>
+        <p:nvSpPr>
+          <p:cNvPr id="4" name="标题 1"/>
+          <p:cNvSpPr>
+            <a:spLocks noGrp="1"/>
+          </p:cNvSpPr>
+          <p:nvPr/>
+        </p:nvSpPr>
+        <p:spPr>
+          <a:xfrm>
+            <a:off x="1582080" y="619731"/>
+            <a:ext cx="8782438" cy="742235"/>
+          </a:xfrm>
+          <a:prstGeom prst="rect">
+            <a:avLst/>
+          </a:prstGeom>
+        </p:spPr>
+        <p:txBody>
+          <a:bodyPr vert="horz" lIns="91440" tIns="45720" rIns="91440" bIns="45720" rtlCol="0" anchor="t">
+            <a:normAutofit fontScale="90000"/>
+          </a:bodyPr>
+          <a:lstStyle>
+            <a:lvl1pPr algn="l" defTabSz="457200" rtl="0" eaLnBrk="1" latinLnBrk="0" hangingPunct="1">
+              <a:spcBef>
+                <a:spcPct val="0"/>
+              </a:spcBef>
+              <a:buNone/>
+              <a:defRPr sz="3600" kern="1200">
+                <a:solidFill>
+                  <a:schemeClr val="tx1">
+                    <a:lumMod val="85000"/>
+                    <a:lumOff val="15000"/>
+                  </a:schemeClr>
+                </a:solidFill>
+                <a:latin typeface="+mj-lt"/>
+                <a:ea typeface="+mj-ea"/>
+                <a:cs typeface="+mj-cs"/>
+              </a:defRPr>
+            </a:lvl1pPr>
+            <a:lvl2pPr eaLnBrk="1" hangingPunct="1">
+              <a:defRPr>
+                <a:solidFill>
+                  <a:schemeClr val="tx2"/>
+                </a:solidFill>
+              </a:defRPr>
+            </a:lvl2pPr>
+            <a:lvl3pPr eaLnBrk="1" hangingPunct="1">
+              <a:defRPr>
+                <a:solidFill>
+                  <a:schemeClr val="tx2"/>
+                </a:solidFill>
+              </a:defRPr>
+            </a:lvl3pPr>
+            <a:lvl4pPr eaLnBrk="1" hangingPunct="1">
+              <a:defRPr>
+                <a:solidFill>
+                  <a:schemeClr val="tx2"/>
+                </a:solidFill>
+              </a:defRPr>
+            </a:lvl4pPr>
+            <a:lvl5pPr eaLnBrk="1" hangingPunct="1">
+              <a:defRPr>
+                <a:solidFill>
+                  <a:schemeClr val="tx2"/>
+                </a:solidFill>
+              </a:defRPr>
+            </a:lvl5pPr>
+            <a:lvl6pPr eaLnBrk="1" hangingPunct="1">
+              <a:defRPr>
+                <a:solidFill>
+                  <a:schemeClr val="tx2"/>
+                </a:solidFill>
+              </a:defRPr>
+            </a:lvl6pPr>
+            <a:lvl7pPr eaLnBrk="1" hangingPunct="1">
+              <a:defRPr>
+                <a:solidFill>
+                  <a:schemeClr val="tx2"/>
+                </a:solidFill>
+              </a:defRPr>
+            </a:lvl7pPr>
+            <a:lvl8pPr eaLnBrk="1" hangingPunct="1">
+              <a:defRPr>
+                <a:solidFill>
+                  <a:schemeClr val="tx2"/>
+                </a:solidFill>
+              </a:defRPr>
+            </a:lvl8pPr>
+            <a:lvl9pPr eaLnBrk="1" hangingPunct="1">
+              <a:defRPr>
+                <a:solidFill>
+                  <a:schemeClr val="tx2"/>
+                </a:solidFill>
+              </a:defRPr>
+            </a:lvl9pPr>
+          </a:lstStyle>
+          <a:p>
+            <a:pPr algn="l"/>
+            <a:r>
+              <a:rPr lang="en-US" altLang="zh-CN" dirty="0">
+                <a:sym typeface="+mn-ea"/>
+              </a:rPr>
+              <a:t>Spring</a:t>
+            </a:r>
+            <a:r>
+              <a:rPr lang="zh-CN" altLang="en-US" dirty="0">
+                <a:sym typeface="+mn-ea"/>
+              </a:rPr>
+              <a:t>注册</a:t>
+            </a:r>
+            <a:r>
+              <a:rPr lang="en-US" altLang="zh-CN" dirty="0">
+                <a:sym typeface="+mn-ea"/>
+              </a:rPr>
+              <a:t>Bean</a:t>
+            </a:r>
+            <a:r>
+              <a:rPr lang="zh-CN" altLang="en-US" dirty="0">
+                <a:sym typeface="+mn-ea"/>
+              </a:rPr>
+              <a:t>信息</a:t>
+            </a:r>
+            <a:r>
+              <a:rPr lang="en-US" altLang="zh-CN" dirty="0">
+                <a:sym typeface="+mn-ea"/>
+              </a:rPr>
+              <a:t>registerBeanDefinition</a:t>
+            </a:r>
+            <a:endParaRPr lang="en-US" altLang="zh-CN" dirty="0">
+              <a:sym typeface="+mn-ea"/>
+            </a:endParaRPr>
+          </a:p>
+        </p:txBody>
+      </p:sp>
+      <p:sp>
+        <p:nvSpPr>
+          <p:cNvPr id="2" name="标题 1"/>
+          <p:cNvSpPr>
+            <a:spLocks noGrp="1"/>
+          </p:cNvSpPr>
+          <p:nvPr/>
+        </p:nvSpPr>
+        <p:spPr>
+          <a:xfrm>
+            <a:off x="504190" y="1898015"/>
+            <a:ext cx="4060825" cy="4338320"/>
+          </a:xfrm>
+          <a:prstGeom prst="rect">
+            <a:avLst/>
+          </a:prstGeom>
+        </p:spPr>
+        <p:txBody>
+          <a:bodyPr vert="horz" lIns="91440" tIns="45720" rIns="91440" bIns="45720" rtlCol="0" anchor="t">
+            <a:normAutofit fontScale="80000"/>
+          </a:bodyPr>
+          <a:lstStyle>
+            <a:lvl1pPr algn="l" defTabSz="457200" rtl="0" eaLnBrk="1" latinLnBrk="0" hangingPunct="1">
+              <a:spcBef>
+                <a:spcPct val="0"/>
+              </a:spcBef>
+              <a:buNone/>
+              <a:defRPr sz="3600" kern="1200">
+                <a:solidFill>
+                  <a:schemeClr val="tx1">
+                    <a:lumMod val="85000"/>
+                    <a:lumOff val="15000"/>
+                  </a:schemeClr>
+                </a:solidFill>
+                <a:latin typeface="+mj-lt"/>
+                <a:ea typeface="+mj-ea"/>
+                <a:cs typeface="+mj-cs"/>
+              </a:defRPr>
+            </a:lvl1pPr>
+            <a:lvl2pPr eaLnBrk="1" hangingPunct="1">
+              <a:defRPr>
+                <a:solidFill>
+                  <a:schemeClr val="tx2"/>
+                </a:solidFill>
+              </a:defRPr>
+            </a:lvl2pPr>
+            <a:lvl3pPr eaLnBrk="1" hangingPunct="1">
+              <a:defRPr>
+                <a:solidFill>
+                  <a:schemeClr val="tx2"/>
+                </a:solidFill>
+              </a:defRPr>
+            </a:lvl3pPr>
+            <a:lvl4pPr eaLnBrk="1" hangingPunct="1">
+              <a:defRPr>
+                <a:solidFill>
+                  <a:schemeClr val="tx2"/>
+                </a:solidFill>
+              </a:defRPr>
+            </a:lvl4pPr>
+            <a:lvl5pPr eaLnBrk="1" hangingPunct="1">
+              <a:defRPr>
+                <a:solidFill>
+                  <a:schemeClr val="tx2"/>
+                </a:solidFill>
+              </a:defRPr>
+            </a:lvl5pPr>
+            <a:lvl6pPr eaLnBrk="1" hangingPunct="1">
+              <a:defRPr>
+                <a:solidFill>
+                  <a:schemeClr val="tx2"/>
+                </a:solidFill>
+              </a:defRPr>
+            </a:lvl6pPr>
+            <a:lvl7pPr eaLnBrk="1" hangingPunct="1">
+              <a:defRPr>
+                <a:solidFill>
+                  <a:schemeClr val="tx2"/>
+                </a:solidFill>
+              </a:defRPr>
+            </a:lvl7pPr>
+            <a:lvl8pPr eaLnBrk="1" hangingPunct="1">
+              <a:defRPr>
+                <a:solidFill>
+                  <a:schemeClr val="tx2"/>
+                </a:solidFill>
+              </a:defRPr>
+            </a:lvl8pPr>
+            <a:lvl9pPr eaLnBrk="1" hangingPunct="1">
+              <a:defRPr>
+                <a:solidFill>
+                  <a:schemeClr val="tx2"/>
+                </a:solidFill>
+              </a:defRPr>
+            </a:lvl9pPr>
+          </a:lstStyle>
+          <a:p>
+            <a:pPr algn="l"/>
+            <a:r>
+              <a:rPr lang="en-US" altLang="zh-CN" sz="1800" b="1" dirty="0">
+                <a:sym typeface="+mn-ea"/>
+              </a:rPr>
+              <a:t>1. </a:t>
+            </a:r>
+            <a:r>
+              <a:rPr lang="zh-CN" altLang="en-US" sz="1800" b="1" dirty="0">
+                <a:sym typeface="+mn-ea"/>
+              </a:rPr>
+              <a:t>通过</a:t>
+            </a:r>
+            <a:r>
+              <a:rPr lang="en-US" altLang="zh-CN" sz="1800" b="1" dirty="0">
+                <a:sym typeface="+mn-ea"/>
+              </a:rPr>
+              <a:t>loadDocument()</a:t>
+            </a:r>
+            <a:r>
+              <a:rPr lang="zh-CN" altLang="en-US" sz="1800" b="1" dirty="0">
+                <a:sym typeface="+mn-ea"/>
+              </a:rPr>
+              <a:t>加载</a:t>
+            </a:r>
+            <a:r>
+              <a:rPr lang="en-US" altLang="zh-CN" sz="1800" b="1" dirty="0">
+                <a:sym typeface="+mn-ea"/>
+              </a:rPr>
+              <a:t>Document</a:t>
+            </a:r>
+            <a:r>
+              <a:rPr lang="zh-CN" altLang="en-US" sz="1800" b="1" dirty="0">
+                <a:sym typeface="+mn-ea"/>
+              </a:rPr>
+              <a:t>之后</a:t>
+            </a:r>
+            <a:r>
+              <a:rPr lang="en-US" altLang="zh-CN" sz="1800" b="1" dirty="0">
+                <a:sym typeface="+mn-ea"/>
+              </a:rPr>
+              <a:t>, </a:t>
+            </a:r>
+            <a:r>
+              <a:rPr lang="zh-CN" altLang="en-US" sz="1800" b="1" dirty="0">
+                <a:sym typeface="+mn-ea"/>
+              </a:rPr>
+              <a:t>通过</a:t>
+            </a:r>
+            <a:r>
+              <a:rPr lang="en-US" altLang="zh-CN" sz="1800" b="1" dirty="0">
+                <a:sym typeface="+mn-ea"/>
+              </a:rPr>
+              <a:t>registerBeanDefinition</a:t>
+            </a:r>
+            <a:r>
+              <a:rPr lang="zh-CN" altLang="en-US" sz="1800" b="1" dirty="0">
+                <a:sym typeface="+mn-ea"/>
+              </a:rPr>
+              <a:t>方法进行注册</a:t>
+            </a:r>
+            <a:endParaRPr lang="zh-CN" altLang="en-US" sz="1800" b="1" dirty="0">
+              <a:sym typeface="+mn-ea"/>
+            </a:endParaRPr>
+          </a:p>
+          <a:p>
+            <a:pPr algn="l"/>
+            <a:r>
+              <a:rPr lang="en-US" altLang="zh-CN" sz="1800" b="1" dirty="0">
+                <a:sym typeface="+mn-ea"/>
+              </a:rPr>
+              <a:t>2. </a:t>
+            </a:r>
+            <a:r>
+              <a:rPr lang="zh-CN" altLang="en-US" sz="1800" b="1" dirty="0">
+                <a:sym typeface="+mn-ea"/>
+              </a:rPr>
+              <a:t>创建</a:t>
+            </a:r>
+            <a:r>
+              <a:rPr lang="zh-CN" altLang="en-US" sz="1800" b="1" dirty="0">
+                <a:solidFill>
+                  <a:srgbClr val="FF0000"/>
+                </a:solidFill>
+                <a:sym typeface="+mn-ea"/>
+              </a:rPr>
+              <a:t>DefaultBeanDefinitionDocumentReader</a:t>
+            </a:r>
+            <a:r>
+              <a:rPr lang="en-US" altLang="zh-CN" sz="1800" b="1" dirty="0">
+                <a:solidFill>
+                  <a:srgbClr val="FF0000"/>
+                </a:solidFill>
+                <a:sym typeface="+mn-ea"/>
+              </a:rPr>
+              <a:t>&lt;</a:t>
+            </a:r>
+            <a:r>
+              <a:rPr lang="zh-CN" altLang="en-US" sz="1800" b="1" dirty="0">
+                <a:solidFill>
+                  <a:srgbClr val="FF0000"/>
+                </a:solidFill>
+                <a:sym typeface="+mn-ea"/>
+              </a:rPr>
+              <a:t>核心</a:t>
+            </a:r>
+            <a:r>
+              <a:rPr lang="en-US" altLang="zh-CN" sz="1800" b="1" dirty="0">
+                <a:solidFill>
+                  <a:srgbClr val="FF0000"/>
+                </a:solidFill>
+                <a:sym typeface="+mn-ea"/>
+              </a:rPr>
+              <a:t>&gt;</a:t>
+            </a:r>
+            <a:r>
+              <a:rPr lang="zh-CN" altLang="en-US" sz="1800" b="1" dirty="0">
+                <a:sym typeface="+mn-ea"/>
+              </a:rPr>
+              <a:t>对象</a:t>
+            </a:r>
+            <a:r>
+              <a:rPr lang="en-US" altLang="zh-CN" sz="1800" b="1" dirty="0">
+                <a:sym typeface="+mn-ea"/>
+              </a:rPr>
+              <a:t>,</a:t>
+            </a:r>
+            <a:r>
+              <a:rPr lang="zh-CN" altLang="en-US" sz="1800" b="1" dirty="0">
+                <a:sym typeface="+mn-ea"/>
+              </a:rPr>
+              <a:t>通过doRegisterBeanDefinitions方法进行核心注册</a:t>
+            </a:r>
+            <a:endParaRPr lang="zh-CN" altLang="en-US" sz="1800" b="1" dirty="0">
+              <a:sym typeface="+mn-ea"/>
+            </a:endParaRPr>
+          </a:p>
+          <a:p>
+            <a:pPr algn="l"/>
+            <a:r>
+              <a:rPr lang="en-US" altLang="zh-CN" sz="1800" b="1" dirty="0">
+                <a:sym typeface="+mn-ea"/>
+              </a:rPr>
+              <a:t>3. </a:t>
+            </a:r>
+            <a:r>
+              <a:rPr lang="zh-CN" altLang="en-US" sz="1800" b="1" dirty="0">
+                <a:sym typeface="+mn-ea"/>
+              </a:rPr>
+              <a:t>创建</a:t>
+            </a:r>
+            <a:r>
+              <a:rPr lang="zh-CN" altLang="en-US" sz="1800" b="1" dirty="0">
+                <a:solidFill>
+                  <a:srgbClr val="FF0000"/>
+                </a:solidFill>
+                <a:sym typeface="+mn-ea"/>
+              </a:rPr>
+              <a:t>BeanDefinitionParserDelegate</a:t>
+            </a:r>
+            <a:r>
+              <a:rPr lang="en-US" altLang="zh-CN" sz="1800" b="1" dirty="0">
+                <a:solidFill>
+                  <a:srgbClr val="FF0000"/>
+                </a:solidFill>
+                <a:sym typeface="+mn-ea"/>
+              </a:rPr>
+              <a:t>(</a:t>
+            </a:r>
+            <a:r>
+              <a:rPr lang="zh-CN" altLang="en-US" sz="1800" b="1" dirty="0">
+                <a:solidFill>
+                  <a:srgbClr val="FF0000"/>
+                </a:solidFill>
+                <a:sym typeface="+mn-ea"/>
+              </a:rPr>
+              <a:t>核心</a:t>
+            </a:r>
+            <a:r>
+              <a:rPr lang="en-US" altLang="zh-CN" sz="1800" b="1" dirty="0">
+                <a:sym typeface="+mn-ea"/>
+              </a:rPr>
+              <a:t>)</a:t>
+            </a:r>
+            <a:r>
+              <a:rPr lang="zh-CN" altLang="en-US" sz="1800" b="1" dirty="0">
+                <a:sym typeface="+mn-ea"/>
+              </a:rPr>
+              <a:t>对象，后续处理自定义标签</a:t>
+            </a:r>
+            <a:endParaRPr lang="zh-CN" altLang="en-US" sz="1800" b="1" dirty="0">
+              <a:sym typeface="+mn-ea"/>
+            </a:endParaRPr>
+          </a:p>
+          <a:p>
+            <a:pPr algn="l"/>
+            <a:r>
+              <a:rPr lang="en-US" altLang="zh-CN" sz="1800" b="1" dirty="0">
+                <a:sym typeface="+mn-ea"/>
+              </a:rPr>
+              <a:t>4. </a:t>
+            </a:r>
+            <a:r>
+              <a:rPr lang="zh-CN" altLang="en-US" sz="1800" b="1" dirty="0">
+                <a:sym typeface="+mn-ea"/>
+              </a:rPr>
+              <a:t>解析标签</a:t>
+            </a:r>
+            <a:endParaRPr lang="zh-CN" altLang="en-US" sz="1800" b="1" dirty="0">
+              <a:sym typeface="+mn-ea"/>
+            </a:endParaRPr>
+          </a:p>
+          <a:p>
+            <a:pPr algn="l"/>
+            <a:r>
+              <a:rPr lang="en-US" altLang="zh-CN" sz="1800" b="1" dirty="0">
+                <a:sym typeface="+mn-ea"/>
+              </a:rPr>
+              <a:t>	4.1 </a:t>
+            </a:r>
+            <a:r>
+              <a:rPr lang="zh-CN" altLang="en-US" sz="1800" b="1" dirty="0">
+                <a:sym typeface="+mn-ea"/>
+              </a:rPr>
+              <a:t>进行默认标签解析</a:t>
+            </a:r>
+            <a:r>
+              <a:rPr lang="en-US" altLang="zh-CN" sz="1800" b="1" dirty="0">
+                <a:sym typeface="+mn-ea"/>
+              </a:rPr>
+              <a:t>(import/alias/bean/beans)</a:t>
+            </a:r>
+            <a:endParaRPr lang="zh-CN" altLang="en-US" sz="1800" b="1" dirty="0">
+              <a:sym typeface="+mn-ea"/>
+            </a:endParaRPr>
+          </a:p>
+          <a:p>
+            <a:pPr algn="l"/>
+            <a:r>
+              <a:rPr lang="en-US" altLang="zh-CN" sz="1800" b="1" dirty="0">
+                <a:sym typeface="+mn-ea"/>
+              </a:rPr>
+              <a:t>	4.2 </a:t>
+            </a:r>
+            <a:r>
+              <a:rPr lang="zh-CN" altLang="en-US" sz="1800" b="1" dirty="0">
+                <a:sym typeface="+mn-ea"/>
+              </a:rPr>
+              <a:t>进行自定义标签解析</a:t>
+            </a:r>
+            <a:endParaRPr lang="zh-CN" altLang="en-US" sz="1800" b="1" dirty="0">
+              <a:sym typeface="+mn-ea"/>
+            </a:endParaRPr>
+          </a:p>
+          <a:p>
+            <a:pPr algn="l"/>
+            <a:endParaRPr lang="zh-CN" altLang="en-US" sz="1800" b="1" dirty="0">
+              <a:sym typeface="+mn-ea"/>
+            </a:endParaRPr>
+          </a:p>
+          <a:p>
+            <a:pPr algn="l"/>
+            <a:endParaRPr lang="zh-CN" altLang="en-US" sz="1800" b="1" dirty="0">
+              <a:sym typeface="+mn-ea"/>
+            </a:endParaRPr>
+          </a:p>
+          <a:p>
+            <a:pPr algn="l"/>
+            <a:r>
+              <a:rPr lang="en-US" altLang="zh-CN" sz="1800" b="1" dirty="0">
+                <a:sym typeface="+mn-ea"/>
+              </a:rPr>
+              <a:t>NOte:</a:t>
+            </a:r>
+            <a:endParaRPr lang="en-US" altLang="zh-CN" sz="1800" b="1" dirty="0">
+              <a:sym typeface="+mn-ea"/>
+            </a:endParaRPr>
+          </a:p>
+          <a:p>
+            <a:pPr algn="l"/>
+            <a:r>
+              <a:rPr lang="en-US" altLang="zh-CN" sz="1800" b="1" dirty="0">
+                <a:sym typeface="+mn-ea"/>
+              </a:rPr>
+              <a:t>preProcessXml(</a:t>
+            </a:r>
+            <a:r>
+              <a:rPr lang="zh-CN" altLang="en-US" sz="1800" b="1" dirty="0">
+                <a:sym typeface="+mn-ea"/>
+              </a:rPr>
+              <a:t>前置处理</a:t>
+            </a:r>
+            <a:r>
+              <a:rPr lang="en-US" altLang="zh-CN" sz="1800" b="1" dirty="0">
+                <a:sym typeface="+mn-ea"/>
+              </a:rPr>
+              <a:t>)/postProcessXml(</a:t>
+            </a:r>
+            <a:r>
+              <a:rPr lang="zh-CN" altLang="en-US" sz="1800" b="1" dirty="0">
+                <a:sym typeface="+mn-ea"/>
+              </a:rPr>
+              <a:t>后置处理</a:t>
+            </a:r>
+            <a:r>
+              <a:rPr lang="en-US" altLang="zh-CN" sz="1800" b="1" dirty="0">
+                <a:sym typeface="+mn-ea"/>
+              </a:rPr>
+              <a:t>)</a:t>
+            </a:r>
+            <a:r>
+              <a:rPr lang="zh-CN" altLang="en-US" sz="1800" b="1" dirty="0">
+                <a:sym typeface="+mn-ea"/>
+              </a:rPr>
+              <a:t>非核心</a:t>
+            </a:r>
+            <a:r>
+              <a:rPr lang="en-US" altLang="zh-CN" sz="1800" b="1" dirty="0">
+                <a:sym typeface="+mn-ea"/>
+              </a:rPr>
+              <a:t>, </a:t>
+            </a:r>
+            <a:r>
+              <a:rPr lang="zh-CN" altLang="en-US" sz="1800" b="1" dirty="0">
+                <a:sym typeface="+mn-ea"/>
+              </a:rPr>
+              <a:t>暂时不分析</a:t>
+            </a:r>
+            <a:endParaRPr lang="zh-CN" altLang="en-US" sz="1800" b="1" dirty="0">
+              <a:sym typeface="+mn-ea"/>
+            </a:endParaRPr>
+          </a:p>
+        </p:txBody>
+      </p:sp>
+      <p:pic>
+        <p:nvPicPr>
+          <p:cNvPr id="5" name="图片 4"/>
+          <p:cNvPicPr>
+            <a:picLocks noChangeAspect="1"/>
+          </p:cNvPicPr>
+          <p:nvPr/>
+        </p:nvPicPr>
+        <p:blipFill>
+          <a:blip r:embed="rId1"/>
+          <a:stretch>
+            <a:fillRect/>
+          </a:stretch>
+        </p:blipFill>
+        <p:spPr>
+          <a:xfrm>
+            <a:off x="4185920" y="1236980"/>
+            <a:ext cx="7727950" cy="5660390"/>
+          </a:xfrm>
+          <a:prstGeom prst="rect">
+            <a:avLst/>
+          </a:prstGeom>
+        </p:spPr>
+      </p:pic>
+    </p:spTree>
+  </p:cSld>
+  <p:clrMapOvr>
+    <a:masterClrMapping/>
+  </p:clrMapOvr>
+</p:sld>
+</file>
+
+<file path=ppt/slides/slide23.xml><?xml version="1.0" encoding="utf-8"?>
+<p:sld xmlns:a="http://schemas.openxmlformats.org/drawingml/2006/main" xmlns:r="http://schemas.openxmlformats.org/officeDocument/2006/relationships" xmlns:p="http://schemas.openxmlformats.org/presentationml/2006/main">
+  <p:cSld>
+    <p:spTree>
+      <p:nvGrpSpPr>
+        <p:cNvPr id="1" name=""/>
+        <p:cNvGrpSpPr/>
+        <p:nvPr/>
+      </p:nvGrpSpPr>
+      <p:grpSpPr/>
+      <p:sp>
+        <p:nvSpPr>
+          <p:cNvPr id="2" name="标题 1"/>
+          <p:cNvSpPr>
+            <a:spLocks noGrp="1"/>
+          </p:cNvSpPr>
+          <p:nvPr>
+            <p:ph type="title"/>
+          </p:nvPr>
+        </p:nvSpPr>
+        <p:spPr>
+          <a:xfrm>
+            <a:off x="1730375" y="596265"/>
+            <a:ext cx="9300845" cy="669290"/>
+          </a:xfrm>
+        </p:spPr>
+        <p:txBody>
+          <a:bodyPr>
+            <a:normAutofit fontScale="90000"/>
+          </a:bodyPr>
+          <a:p>
+            <a:r>
+              <a:rPr lang="en-US" altLang="zh-CN"/>
+              <a:t>Spring Bean</a:t>
+            </a:r>
+            <a:r>
+              <a:rPr lang="zh-CN" altLang="en-US"/>
+              <a:t>注册总结</a:t>
+            </a:r>
+            <a:endParaRPr lang="zh-CN" altLang="en-US"/>
+          </a:p>
+        </p:txBody>
+      </p:sp>
+      <p:pic>
+        <p:nvPicPr>
+          <p:cNvPr id="4" name="图片 3"/>
+          <p:cNvPicPr>
+            <a:picLocks noChangeAspect="1"/>
+          </p:cNvPicPr>
+          <p:nvPr/>
+        </p:nvPicPr>
+        <p:blipFill>
+          <a:blip r:embed="rId1"/>
+          <a:stretch>
+            <a:fillRect/>
+          </a:stretch>
+        </p:blipFill>
+        <p:spPr>
+          <a:xfrm>
+            <a:off x="930910" y="1265555"/>
+            <a:ext cx="10899775" cy="5613400"/>
+          </a:xfrm>
+          <a:prstGeom prst="rect">
+            <a:avLst/>
+          </a:prstGeom>
+        </p:spPr>
+      </p:pic>
+    </p:spTree>
+  </p:cSld>
+  <p:clrMapOvr>
+    <a:masterClrMapping/>
+  </p:clrMapOvr>
+</p:sld>
+</file>
+
 <file path=ppt/slides/slide3.xml><?xml version="1.0" encoding="utf-8"?>
 <p:sld xmlns:a="http://schemas.openxmlformats.org/drawingml/2006/main" xmlns:r="http://schemas.openxmlformats.org/officeDocument/2006/relationships" xmlns:p="http://schemas.openxmlformats.org/presentationml/2006/main">
   <p:cSld>
